--- a/présentationGit.pptx
+++ b/présentationGit.pptx
@@ -9772,6 +9772,29 @@
           </a:bodyPr>
           <a:lstStyle/>
           <a:p>
+            <a:pPr marL="114300" lvl="0" indent="0" algn="l" rtl="0">
+              <a:lnSpc>
+                <a:spcPct val="100000"/>
+              </a:lnSpc>
+              <a:spcBef>
+                <a:spcPts val="0"/>
+              </a:spcBef>
+              <a:spcAft>
+                <a:spcPts val="0"/>
+              </a:spcAft>
+              <a:buClr>
+                <a:schemeClr val="accent2"/>
+              </a:buClr>
+              <a:buSzPts val="1800"/>
+              <a:buNone/>
+            </a:pPr>
+            <a:endParaRPr lang="fr" dirty="0">
+              <a:solidFill>
+                <a:schemeClr val="tx1"/>
+              </a:solidFill>
+            </a:endParaRPr>
+          </a:p>
+          <a:p>
             <a:pPr marL="457200" lvl="0" indent="-342900" algn="l" rtl="0">
               <a:lnSpc>
                 <a:spcPct val="100000"/>
@@ -9788,69 +9811,7 @@
               <a:buSzPts val="1800"/>
               <a:buChar char="-"/>
             </a:pPr>
-            <a:r>
-              <a:rPr lang="fr" dirty="0">
-                <a:solidFill>
-                  <a:schemeClr val="tx1"/>
-                </a:solidFill>
-              </a:rPr>
-              <a:t>Push (envoyer les données):</a:t>
-            </a:r>
-            <a:endParaRPr dirty="0">
-              <a:solidFill>
-                <a:schemeClr val="tx1"/>
-              </a:solidFill>
-            </a:endParaRPr>
-          </a:p>
-          <a:p>
-            <a:pPr marL="0" lvl="0" indent="0" algn="l" rtl="0">
-              <a:lnSpc>
-                <a:spcPct val="100000"/>
-              </a:lnSpc>
-              <a:spcBef>
-                <a:spcPts val="0"/>
-              </a:spcBef>
-              <a:spcAft>
-                <a:spcPts val="0"/>
-              </a:spcAft>
-              <a:buNone/>
-            </a:pPr>
-            <a:r>
-              <a:rPr lang="fr" dirty="0">
-                <a:solidFill>
-                  <a:schemeClr val="tx1"/>
-                </a:solidFill>
-              </a:rPr>
-              <a:t>       </a:t>
-            </a:r>
-            <a:r>
-              <a:rPr lang="fr" i="1" dirty="0">
-                <a:solidFill>
-                  <a:schemeClr val="tx1"/>
-                </a:solidFill>
-              </a:rPr>
-              <a:t>git push origin &lt;nom_branch&gt;</a:t>
-            </a:r>
-            <a:endParaRPr i="1" dirty="0">
-              <a:solidFill>
-                <a:schemeClr val="tx1"/>
-              </a:solidFill>
-            </a:endParaRPr>
-          </a:p>
-          <a:p>
-            <a:pPr marL="0" lvl="0" indent="0" algn="l" rtl="0">
-              <a:lnSpc>
-                <a:spcPct val="100000"/>
-              </a:lnSpc>
-              <a:spcBef>
-                <a:spcPts val="0"/>
-              </a:spcBef>
-              <a:spcAft>
-                <a:spcPts val="0"/>
-              </a:spcAft>
-              <a:buNone/>
-            </a:pPr>
-            <a:endParaRPr dirty="0">
+            <a:endParaRPr lang="fr" dirty="0">
               <a:solidFill>
                 <a:schemeClr val="tx1"/>
               </a:solidFill>
@@ -9879,7 +9840,7 @@
                   <a:schemeClr val="tx1"/>
                 </a:solidFill>
               </a:rPr>
-              <a:t>Pull (récupération des données): </a:t>
+              <a:t>Push (envoyer les données):</a:t>
             </a:r>
             <a:endParaRPr dirty="0">
               <a:solidFill>
@@ -9914,7 +9875,7 @@
                   <a:schemeClr val="tx1"/>
                 </a:solidFill>
               </a:rPr>
-              <a:t>git pull origin &lt;nom_branch&gt;</a:t>
+              <a:t>git push origin &lt;nom_branch&gt;</a:t>
             </a:r>
             <a:endParaRPr i="1" dirty="0">
               <a:solidFill>
@@ -9964,7 +9925,7 @@
                   <a:schemeClr val="tx1"/>
                 </a:solidFill>
               </a:rPr>
-              <a:t>Comparaison des changements des sources qui peuvent être ( des commits, des fichiers, des branches , etc):</a:t>
+              <a:t>Pull (récupération des données): </a:t>
             </a:r>
             <a:endParaRPr dirty="0">
               <a:solidFill>
@@ -9999,25 +9960,9 @@
                   <a:schemeClr val="tx1"/>
                 </a:solidFill>
               </a:rPr>
-              <a:t>git diff &lt;arg1&gt; &lt;arg2&gt;</a:t>
+              <a:t>git pull origin &lt;nom_branch&gt;</a:t>
             </a:r>
             <a:endParaRPr i="1" dirty="0">
-              <a:solidFill>
-                <a:schemeClr val="tx1"/>
-              </a:solidFill>
-            </a:endParaRPr>
-          </a:p>
-          <a:p>
-            <a:pPr marL="0" lvl="0" indent="0" algn="l" rtl="0">
-              <a:spcBef>
-                <a:spcPts val="0"/>
-              </a:spcBef>
-              <a:spcAft>
-                <a:spcPts val="1200"/>
-              </a:spcAft>
-              <a:buNone/>
-            </a:pPr>
-            <a:endParaRPr dirty="0">
               <a:solidFill>
                 <a:schemeClr val="tx1"/>
               </a:solidFill>
@@ -10066,7 +10011,7 @@
                                         <p:tgtEl>
                                           <p:spTgt spid="135">
                                             <p:txEl>
-                                              <p:pRg st="0" end="0"/>
+                                              <p:pRg st="2" end="2"/>
                                             </p:txEl>
                                           </p:spTgt>
                                         </p:tgtEl>
@@ -10084,7 +10029,7 @@
                                         <p:tgtEl>
                                           <p:spTgt spid="135">
                                             <p:txEl>
-                                              <p:pRg st="0" end="0"/>
+                                              <p:pRg st="2" end="2"/>
                                             </p:txEl>
                                           </p:spTgt>
                                         </p:tgtEl>
@@ -10109,7 +10054,7 @@
                                         <p:tgtEl>
                                           <p:spTgt spid="135">
                                             <p:txEl>
-                                              <p:pRg st="1" end="1"/>
+                                              <p:pRg st="3" end="3"/>
                                             </p:txEl>
                                           </p:spTgt>
                                         </p:tgtEl>
@@ -10127,7 +10072,7 @@
                                         <p:tgtEl>
                                           <p:spTgt spid="135">
                                             <p:txEl>
-                                              <p:pRg st="1" end="1"/>
+                                              <p:pRg st="3" end="3"/>
                                             </p:txEl>
                                           </p:spTgt>
                                         </p:tgtEl>
@@ -10170,7 +10115,7 @@
                                         <p:tgtEl>
                                           <p:spTgt spid="135">
                                             <p:txEl>
-                                              <p:pRg st="3" end="3"/>
+                                              <p:pRg st="5" end="5"/>
                                             </p:txEl>
                                           </p:spTgt>
                                         </p:tgtEl>
@@ -10188,7 +10133,7 @@
                                         <p:tgtEl>
                                           <p:spTgt spid="135">
                                             <p:txEl>
-                                              <p:pRg st="3" end="3"/>
+                                              <p:pRg st="5" end="5"/>
                                             </p:txEl>
                                           </p:spTgt>
                                         </p:tgtEl>
@@ -10213,7 +10158,7 @@
                                         <p:tgtEl>
                                           <p:spTgt spid="135">
                                             <p:txEl>
-                                              <p:pRg st="4" end="4"/>
+                                              <p:pRg st="6" end="6"/>
                                             </p:txEl>
                                           </p:spTgt>
                                         </p:tgtEl>
@@ -10231,111 +10176,7 @@
                                         <p:tgtEl>
                                           <p:spTgt spid="135">
                                             <p:txEl>
-                                              <p:pRg st="4" end="4"/>
-                                            </p:txEl>
-                                          </p:spTgt>
-                                        </p:tgtEl>
-                                      </p:cBhvr>
-                                    </p:animEffect>
-                                  </p:childTnLst>
-                                </p:cTn>
-                              </p:par>
-                            </p:childTnLst>
-                          </p:cTn>
-                        </p:par>
-                      </p:childTnLst>
-                    </p:cTn>
-                  </p:par>
-                  <p:par>
-                    <p:cTn id="19" fill="hold">
-                      <p:stCondLst>
-                        <p:cond delay="indefinite"/>
-                      </p:stCondLst>
-                      <p:childTnLst>
-                        <p:par>
-                          <p:cTn id="20" fill="hold">
-                            <p:stCondLst>
-                              <p:cond delay="0"/>
-                            </p:stCondLst>
-                            <p:childTnLst>
-                              <p:par>
-                                <p:cTn id="21" presetID="10" presetClass="entr" presetSubtype="0" fill="hold" nodeType="clickEffect">
-                                  <p:stCondLst>
-                                    <p:cond delay="0"/>
-                                  </p:stCondLst>
-                                  <p:childTnLst>
-                                    <p:set>
-                                      <p:cBhvr>
-                                        <p:cTn id="22" dur="1" fill="hold">
-                                          <p:stCondLst>
-                                            <p:cond delay="0"/>
-                                          </p:stCondLst>
-                                        </p:cTn>
-                                        <p:tgtEl>
-                                          <p:spTgt spid="135">
-                                            <p:txEl>
                                               <p:pRg st="6" end="6"/>
-                                            </p:txEl>
-                                          </p:spTgt>
-                                        </p:tgtEl>
-                                        <p:attrNameLst>
-                                          <p:attrName>style.visibility</p:attrName>
-                                        </p:attrNameLst>
-                                      </p:cBhvr>
-                                      <p:to>
-                                        <p:strVal val="visible"/>
-                                      </p:to>
-                                    </p:set>
-                                    <p:animEffect transition="in" filter="fade">
-                                      <p:cBhvr>
-                                        <p:cTn id="23" dur="500"/>
-                                        <p:tgtEl>
-                                          <p:spTgt spid="135">
-                                            <p:txEl>
-                                              <p:pRg st="6" end="6"/>
-                                            </p:txEl>
-                                          </p:spTgt>
-                                        </p:tgtEl>
-                                      </p:cBhvr>
-                                    </p:animEffect>
-                                  </p:childTnLst>
-                                </p:cTn>
-                              </p:par>
-                              <p:par>
-                                <p:cTn id="24" presetID="10" presetClass="entr" presetSubtype="0" fill="hold" nodeType="withEffect">
-                                  <p:stCondLst>
-                                    <p:cond delay="0"/>
-                                  </p:stCondLst>
-                                  <p:childTnLst>
-                                    <p:set>
-                                      <p:cBhvr>
-                                        <p:cTn id="25" dur="1" fill="hold">
-                                          <p:stCondLst>
-                                            <p:cond delay="0"/>
-                                          </p:stCondLst>
-                                        </p:cTn>
-                                        <p:tgtEl>
-                                          <p:spTgt spid="135">
-                                            <p:txEl>
-                                              <p:pRg st="7" end="7"/>
-                                            </p:txEl>
-                                          </p:spTgt>
-                                        </p:tgtEl>
-                                        <p:attrNameLst>
-                                          <p:attrName>style.visibility</p:attrName>
-                                        </p:attrNameLst>
-                                      </p:cBhvr>
-                                      <p:to>
-                                        <p:strVal val="visible"/>
-                                      </p:to>
-                                    </p:set>
-                                    <p:animEffect transition="in" filter="fade">
-                                      <p:cBhvr>
-                                        <p:cTn id="26" dur="500"/>
-                                        <p:tgtEl>
-                                          <p:spTgt spid="135">
-                                            <p:txEl>
-                                              <p:pRg st="7" end="7"/>
                                             </p:txEl>
                                           </p:spTgt>
                                         </p:tgtEl>
@@ -11787,6 +11628,52 @@
           </a:ln>
         </p:spPr>
       </p:pic>
+      <p:sp>
+        <p:nvSpPr>
+          <p:cNvPr id="4" name="Organigramme : Connecteur 3">
+            <a:extLst>
+              <a:ext uri="{FF2B5EF4-FFF2-40B4-BE49-F238E27FC236}">
+                <a16:creationId xmlns:a16="http://schemas.microsoft.com/office/drawing/2014/main" id="{231FDF56-D416-4F24-9061-7CE320B9E853}"/>
+              </a:ext>
+            </a:extLst>
+          </p:cNvPr>
+          <p:cNvSpPr/>
+          <p:nvPr/>
+        </p:nvSpPr>
+        <p:spPr>
+          <a:xfrm>
+            <a:off x="8496300" y="4442460"/>
+            <a:ext cx="152400" cy="159879"/>
+          </a:xfrm>
+          <a:prstGeom prst="flowChartConnector">
+            <a:avLst/>
+          </a:prstGeom>
+        </p:spPr>
+        <p:style>
+          <a:lnRef idx="2">
+            <a:schemeClr val="dk1">
+              <a:shade val="50000"/>
+            </a:schemeClr>
+          </a:lnRef>
+          <a:fillRef idx="1">
+            <a:schemeClr val="dk1"/>
+          </a:fillRef>
+          <a:effectRef idx="0">
+            <a:schemeClr val="dk1"/>
+          </a:effectRef>
+          <a:fontRef idx="minor">
+            <a:schemeClr val="lt1"/>
+          </a:fontRef>
+        </p:style>
+        <p:txBody>
+          <a:bodyPr rtlCol="0" anchor="ctr"/>
+          <a:lstStyle/>
+          <a:p>
+            <a:pPr algn="ctr"/>
+            <a:endParaRPr lang="fr-FR"/>
+          </a:p>
+        </p:txBody>
+      </p:sp>
     </p:spTree>
   </p:cSld>
   <p:clrMapOvr>
@@ -12007,6 +11894,41 @@
                                   </p:childTnLst>
                                 </p:cTn>
                               </p:par>
+                              <p:par>
+                                <p:cTn id="19" presetID="10" presetClass="entr" presetSubtype="0" fill="hold" grpId="0" nodeType="withEffect">
+                                  <p:stCondLst>
+                                    <p:cond delay="0"/>
+                                  </p:stCondLst>
+                                  <p:childTnLst>
+                                    <p:set>
+                                      <p:cBhvr>
+                                        <p:cTn id="20" dur="1" fill="hold">
+                                          <p:stCondLst>
+                                            <p:cond delay="0"/>
+                                          </p:stCondLst>
+                                        </p:cTn>
+                                        <p:tgtEl>
+                                          <p:spTgt spid="4"/>
+                                        </p:tgtEl>
+                                        <p:attrNameLst>
+                                          <p:attrName>style.visibility</p:attrName>
+                                        </p:attrNameLst>
+                                      </p:cBhvr>
+                                      <p:to>
+                                        <p:strVal val="visible"/>
+                                      </p:to>
+                                    </p:set>
+                                    <p:animEffect transition="in" filter="fade">
+                                      <p:cBhvr>
+                                        <p:cTn id="21" dur="500"/>
+                                        <p:tgtEl>
+                                          <p:spTgt spid="4"/>
+                                        </p:tgtEl>
+                                      </p:cBhvr>
+                                    </p:animEffect>
+                                  </p:childTnLst>
+                                </p:cTn>
+                              </p:par>
                             </p:childTnLst>
                           </p:cTn>
                         </p:par>
@@ -12034,6 +11956,9 @@
         </p:cTn>
       </p:par>
     </p:tnLst>
+    <p:bldLst>
+      <p:bldP spid="4" grpId="0" animBg="1"/>
+    </p:bldLst>
   </p:timing>
 </p:sld>
 </file>
@@ -13811,7 +13736,7 @@
                   <a:schemeClr val="tx1"/>
                 </a:solidFill>
               </a:rPr>
-              <a:t>git remote add origine &lt;url&gt;</a:t>
+              <a:t>git remote add origin &lt;url&gt;</a:t>
             </a:r>
           </a:p>
           <a:p>
@@ -14373,7 +14298,7 @@
                 </a:solidFill>
                 <a:cs typeface="Arial" panose="020B0604020202020204" pitchFamily="34" charset="0"/>
               </a:rPr>
-              <a:t>-	Obtenir le statut des fichiers dans le dépôt local :   </a:t>
+              <a:t>-	  Obtenir le statut des fichiers dans le dépôt local :   </a:t>
             </a:r>
             <a:r>
               <a:rPr lang="fr" i="1" dirty="0">
@@ -14384,7 +14309,23 @@
               </a:rPr>
               <a:t>git status</a:t>
             </a:r>
-            <a:endParaRPr i="1" dirty="0">
+          </a:p>
+          <a:p>
+            <a:pPr lvl="0" algn="l" rtl="0">
+              <a:spcBef>
+                <a:spcPts val="0"/>
+              </a:spcBef>
+              <a:spcAft>
+                <a:spcPts val="0"/>
+              </a:spcAft>
+              <a:buClr>
+                <a:schemeClr val="lt2"/>
+              </a:buClr>
+              <a:buSzPts val="1800"/>
+              <a:buFontTx/>
+              <a:buChar char="-"/>
+            </a:pPr>
+            <a:endParaRPr lang="fr" i="1" dirty="0">
               <a:solidFill>
                 <a:schemeClr val="tx1"/>
               </a:solidFill>
@@ -14392,16 +14333,21 @@
             </a:endParaRPr>
           </a:p>
           <a:p>
-            <a:pPr marL="0" lvl="0" indent="0" algn="l" rtl="0">
+            <a:pPr lvl="0" algn="l" rtl="0">
               <a:spcBef>
-                <a:spcPts val="1200"/>
+                <a:spcPts val="0"/>
               </a:spcBef>
               <a:spcAft>
                 <a:spcPts val="0"/>
               </a:spcAft>
-              <a:buNone/>
+              <a:buClr>
+                <a:schemeClr val="lt2"/>
+              </a:buClr>
+              <a:buSzPts val="1800"/>
+              <a:buFontTx/>
+              <a:buChar char="-"/>
             </a:pPr>
-            <a:endParaRPr sz="1200" i="1" dirty="0">
+            <a:endParaRPr lang="fr-FR" i="1" dirty="0">
               <a:solidFill>
                 <a:schemeClr val="tx1"/>
               </a:solidFill>
@@ -14409,59 +14355,94 @@
             </a:endParaRPr>
           </a:p>
           <a:p>
+            <a:pPr lvl="0">
+              <a:buClr>
+                <a:schemeClr val="accent2"/>
+              </a:buClr>
+              <a:buChar char="-"/>
+            </a:pPr>
+            <a:r>
+              <a:rPr lang="fr-FR" dirty="0">
+                <a:solidFill>
+                  <a:schemeClr val="tx1"/>
+                </a:solidFill>
+              </a:rPr>
+              <a:t>Comparaison des changements des sources qui peuvent être ( des </a:t>
+            </a:r>
+            <a:r>
+              <a:rPr lang="fr-FR" dirty="0" err="1">
+                <a:solidFill>
+                  <a:schemeClr val="tx1"/>
+                </a:solidFill>
+              </a:rPr>
+              <a:t>commits</a:t>
+            </a:r>
+            <a:r>
+              <a:rPr lang="fr-FR" dirty="0">
+                <a:solidFill>
+                  <a:schemeClr val="tx1"/>
+                </a:solidFill>
+              </a:rPr>
+              <a:t>, des fichiers, des branches , </a:t>
+            </a:r>
+            <a:r>
+              <a:rPr lang="fr-FR" dirty="0" err="1">
+                <a:solidFill>
+                  <a:schemeClr val="tx1"/>
+                </a:solidFill>
+              </a:rPr>
+              <a:t>etc</a:t>
+            </a:r>
+            <a:r>
+              <a:rPr lang="fr-FR" dirty="0">
+                <a:solidFill>
+                  <a:schemeClr val="tx1"/>
+                </a:solidFill>
+              </a:rPr>
+              <a:t>):</a:t>
+            </a:r>
+          </a:p>
+          <a:p>
+            <a:pPr marL="0" lvl="0" indent="0">
+              <a:buNone/>
+            </a:pPr>
+            <a:r>
+              <a:rPr lang="fr-FR" dirty="0">
+                <a:solidFill>
+                  <a:schemeClr val="tx1"/>
+                </a:solidFill>
+              </a:rPr>
+              <a:t>       </a:t>
+            </a:r>
+            <a:r>
+              <a:rPr lang="fr-FR" i="1" dirty="0">
+                <a:solidFill>
+                  <a:schemeClr val="tx1"/>
+                </a:solidFill>
+              </a:rPr>
+              <a:t>git diff &lt;arg1&gt; &lt;arg2&gt;</a:t>
+            </a:r>
+          </a:p>
+          <a:p>
             <a:pPr lvl="0" algn="l" rtl="0">
               <a:spcBef>
-                <a:spcPts val="1200"/>
+                <a:spcPts val="0"/>
               </a:spcBef>
               <a:spcAft>
                 <a:spcPts val="0"/>
               </a:spcAft>
               <a:buClr>
-                <a:schemeClr val="accent3"/>
+                <a:schemeClr val="lt2"/>
               </a:buClr>
               <a:buSzPts val="1800"/>
               <a:buFontTx/>
               <a:buChar char="-"/>
             </a:pPr>
-            <a:r>
-              <a:rPr lang="fr" dirty="0">
-                <a:solidFill>
-                  <a:schemeClr val="tx1"/>
-                </a:solidFill>
-                <a:cs typeface="Arial" panose="020B0604020202020204" pitchFamily="34" charset="0"/>
-              </a:rPr>
-              <a:t>Réinitialiser un dépôt en ligne :    </a:t>
-            </a:r>
-            <a:r>
-              <a:rPr lang="fr" i="1" dirty="0">
-                <a:solidFill>
-                  <a:schemeClr val="tx1"/>
-                </a:solidFill>
-                <a:cs typeface="Arial" panose="020B0604020202020204" pitchFamily="34" charset="0"/>
-              </a:rPr>
-              <a:t>git reset --hard HEAD</a:t>
-            </a:r>
-            <a:endParaRPr i="1" dirty="0">
+            <a:endParaRPr lang="fr" i="1" dirty="0">
               <a:solidFill>
                 <a:schemeClr val="tx1"/>
               </a:solidFill>
               <a:cs typeface="Arial" panose="020B0604020202020204" pitchFamily="34" charset="0"/>
-            </a:endParaRPr>
-          </a:p>
-          <a:p>
-            <a:pPr marL="0" lvl="0" indent="0" algn="l" rtl="0">
-              <a:spcBef>
-                <a:spcPts val="1200"/>
-              </a:spcBef>
-              <a:spcAft>
-                <a:spcPts val="1200"/>
-              </a:spcAft>
-              <a:buNone/>
-            </a:pPr>
-            <a:endParaRPr i="1" dirty="0">
-              <a:solidFill>
-                <a:schemeClr val="accent3"/>
-              </a:solidFill>
             </a:endParaRPr>
           </a:p>
         </p:txBody>
@@ -14483,6 +14464,9 @@
                     <p:cTn id="3" fill="hold">
                       <p:stCondLst>
                         <p:cond delay="indefinite"/>
+                        <p:cond evt="onBegin" delay="0">
+                          <p:tn val="2"/>
+                        </p:cond>
                       </p:stCondLst>
                       <p:childTnLst>
                         <p:par>
@@ -14492,7 +14476,7 @@
                             </p:stCondLst>
                             <p:childTnLst>
                               <p:par>
-                                <p:cTn id="5" presetID="10" presetClass="entr" presetSubtype="0" fill="hold" nodeType="clickEffect">
+                                <p:cTn id="5" presetID="10" presetClass="entr" presetSubtype="0" fill="hold" nodeType="withEffect">
                                   <p:stCondLst>
                                     <p:cond delay="0"/>
                                   </p:stCondLst>
@@ -14568,7 +14552,7 @@
                                         <p:tgtEl>
                                           <p:spTgt spid="115">
                                             <p:txEl>
-                                              <p:pRg st="2" end="2"/>
+                                              <p:pRg st="3" end="3"/>
                                             </p:txEl>
                                           </p:spTgt>
                                         </p:tgtEl>
@@ -14586,7 +14570,50 @@
                                         <p:tgtEl>
                                           <p:spTgt spid="115">
                                             <p:txEl>
-                                              <p:pRg st="2" end="2"/>
+                                              <p:pRg st="3" end="3"/>
+                                            </p:txEl>
+                                          </p:spTgt>
+                                        </p:tgtEl>
+                                      </p:cBhvr>
+                                    </p:animEffect>
+                                  </p:childTnLst>
+                                </p:cTn>
+                              </p:par>
+                              <p:par>
+                                <p:cTn id="13" presetID="10" presetClass="entr" presetSubtype="0" fill="hold" nodeType="withEffect">
+                                  <p:stCondLst>
+                                    <p:cond delay="0"/>
+                                  </p:stCondLst>
+                                  <p:childTnLst>
+                                    <p:set>
+                                      <p:cBhvr>
+                                        <p:cTn id="14" dur="1" fill="hold">
+                                          <p:stCondLst>
+                                            <p:cond delay="0"/>
+                                          </p:stCondLst>
+                                        </p:cTn>
+                                        <p:tgtEl>
+                                          <p:spTgt spid="115">
+                                            <p:txEl>
+                                              <p:pRg st="4" end="4"/>
+                                            </p:txEl>
+                                          </p:spTgt>
+                                        </p:tgtEl>
+                                        <p:attrNameLst>
+                                          <p:attrName>style.visibility</p:attrName>
+                                        </p:attrNameLst>
+                                      </p:cBhvr>
+                                      <p:to>
+                                        <p:strVal val="visible"/>
+                                      </p:to>
+                                    </p:set>
+                                    <p:animEffect transition="in" filter="fade">
+                                      <p:cBhvr>
+                                        <p:cTn id="15" dur="500"/>
+                                        <p:tgtEl>
+                                          <p:spTgt spid="115">
+                                            <p:txEl>
+                                              <p:pRg st="4" end="4"/>
                                             </p:txEl>
                                           </p:spTgt>
                                         </p:tgtEl>

--- a/présentationGit.pptx
+++ b/présentationGit.pptx
@@ -1313,7 +1313,7 @@
               </a:spcAft>
               <a:buNone/>
             </a:pPr>
-            <a:endParaRPr/>
+            <a:endParaRPr dirty="0"/>
           </a:p>
         </p:txBody>
       </p:sp>
@@ -9970,6 +9970,52 @@
           </a:p>
         </p:txBody>
       </p:sp>
+      <p:sp>
+        <p:nvSpPr>
+          <p:cNvPr id="4" name="Organigramme : Connecteur 3">
+            <a:extLst>
+              <a:ext uri="{FF2B5EF4-FFF2-40B4-BE49-F238E27FC236}">
+                <a16:creationId xmlns:a16="http://schemas.microsoft.com/office/drawing/2014/main" id="{0D59E9A0-1071-4A33-BB2F-4E6B0D0B63A1}"/>
+              </a:ext>
+            </a:extLst>
+          </p:cNvPr>
+          <p:cNvSpPr/>
+          <p:nvPr/>
+        </p:nvSpPr>
+        <p:spPr>
+          <a:xfrm>
+            <a:off x="8496300" y="4442460"/>
+            <a:ext cx="152400" cy="159879"/>
+          </a:xfrm>
+          <a:prstGeom prst="flowChartConnector">
+            <a:avLst/>
+          </a:prstGeom>
+        </p:spPr>
+        <p:style>
+          <a:lnRef idx="2">
+            <a:schemeClr val="dk1">
+              <a:shade val="50000"/>
+            </a:schemeClr>
+          </a:lnRef>
+          <a:fillRef idx="1">
+            <a:schemeClr val="dk1"/>
+          </a:fillRef>
+          <a:effectRef idx="0">
+            <a:schemeClr val="dk1"/>
+          </a:effectRef>
+          <a:fontRef idx="minor">
+            <a:schemeClr val="lt1"/>
+          </a:fontRef>
+        </p:style>
+        <p:txBody>
+          <a:bodyPr rtlCol="0" anchor="ctr"/>
+          <a:lstStyle/>
+          <a:p>
+            <a:pPr algn="ctr"/>
+            <a:endParaRPr lang="fr-FR"/>
+          </a:p>
+        </p:txBody>
+      </p:sp>
     </p:spTree>
   </p:cSld>
   <p:clrMapOvr>
@@ -10185,6 +10231,41 @@
                                   </p:childTnLst>
                                 </p:cTn>
                               </p:par>
+                              <p:par>
+                                <p:cTn id="19" presetID="10" presetClass="entr" presetSubtype="0" fill="hold" grpId="0" nodeType="withEffect">
+                                  <p:stCondLst>
+                                    <p:cond delay="0"/>
+                                  </p:stCondLst>
+                                  <p:childTnLst>
+                                    <p:set>
+                                      <p:cBhvr>
+                                        <p:cTn id="20" dur="1" fill="hold">
+                                          <p:stCondLst>
+                                            <p:cond delay="0"/>
+                                          </p:stCondLst>
+                                        </p:cTn>
+                                        <p:tgtEl>
+                                          <p:spTgt spid="4"/>
+                                        </p:tgtEl>
+                                        <p:attrNameLst>
+                                          <p:attrName>style.visibility</p:attrName>
+                                        </p:attrNameLst>
+                                      </p:cBhvr>
+                                      <p:to>
+                                        <p:strVal val="visible"/>
+                                      </p:to>
+                                    </p:set>
+                                    <p:animEffect transition="in" filter="fade">
+                                      <p:cBhvr>
+                                        <p:cTn id="21" dur="500"/>
+                                        <p:tgtEl>
+                                          <p:spTgt spid="4"/>
+                                        </p:tgtEl>
+                                      </p:cBhvr>
+                                    </p:animEffect>
+                                  </p:childTnLst>
+                                </p:cTn>
+                              </p:par>
                             </p:childTnLst>
                           </p:cTn>
                         </p:par>
@@ -10212,6 +10293,9 @@
         </p:cTn>
       </p:par>
     </p:tnLst>
+    <p:bldLst>
+      <p:bldP spid="4" grpId="0" animBg="1"/>
+    </p:bldLst>
   </p:timing>
 </p:sld>
 </file>
@@ -10674,6 +10758,52 @@
                 <a:schemeClr val="tx1"/>
               </a:solidFill>
             </a:endParaRPr>
+          </a:p>
+        </p:txBody>
+      </p:sp>
+      <p:sp>
+        <p:nvSpPr>
+          <p:cNvPr id="4" name="Organigramme : Connecteur 3">
+            <a:extLst>
+              <a:ext uri="{FF2B5EF4-FFF2-40B4-BE49-F238E27FC236}">
+                <a16:creationId xmlns:a16="http://schemas.microsoft.com/office/drawing/2014/main" id="{ECA8B964-0950-4CA3-BD11-937451A3FA59}"/>
+              </a:ext>
+            </a:extLst>
+          </p:cNvPr>
+          <p:cNvSpPr/>
+          <p:nvPr/>
+        </p:nvSpPr>
+        <p:spPr>
+          <a:xfrm>
+            <a:off x="8496300" y="4442460"/>
+            <a:ext cx="152400" cy="159879"/>
+          </a:xfrm>
+          <a:prstGeom prst="flowChartConnector">
+            <a:avLst/>
+          </a:prstGeom>
+        </p:spPr>
+        <p:style>
+          <a:lnRef idx="2">
+            <a:schemeClr val="dk1">
+              <a:shade val="50000"/>
+            </a:schemeClr>
+          </a:lnRef>
+          <a:fillRef idx="1">
+            <a:schemeClr val="dk1"/>
+          </a:fillRef>
+          <a:effectRef idx="0">
+            <a:schemeClr val="dk1"/>
+          </a:effectRef>
+          <a:fontRef idx="minor">
+            <a:schemeClr val="lt1"/>
+          </a:fontRef>
+        </p:style>
+        <p:txBody>
+          <a:bodyPr rtlCol="0" anchor="ctr"/>
+          <a:lstStyle/>
+          <a:p>
+            <a:pPr algn="ctr"/>
+            <a:endParaRPr lang="fr-FR"/>
           </a:p>
         </p:txBody>
       </p:sp>
@@ -10996,6 +11126,41 @@
                                   </p:childTnLst>
                                 </p:cTn>
                               </p:par>
+                              <p:par>
+                                <p:cTn id="27" presetID="10" presetClass="entr" presetSubtype="0" fill="hold" grpId="0" nodeType="withEffect">
+                                  <p:stCondLst>
+                                    <p:cond delay="0"/>
+                                  </p:stCondLst>
+                                  <p:childTnLst>
+                                    <p:set>
+                                      <p:cBhvr>
+                                        <p:cTn id="28" dur="1" fill="hold">
+                                          <p:stCondLst>
+                                            <p:cond delay="0"/>
+                                          </p:stCondLst>
+                                        </p:cTn>
+                                        <p:tgtEl>
+                                          <p:spTgt spid="4"/>
+                                        </p:tgtEl>
+                                        <p:attrNameLst>
+                                          <p:attrName>style.visibility</p:attrName>
+                                        </p:attrNameLst>
+                                      </p:cBhvr>
+                                      <p:to>
+                                        <p:strVal val="visible"/>
+                                      </p:to>
+                                    </p:set>
+                                    <p:animEffect transition="in" filter="fade">
+                                      <p:cBhvr>
+                                        <p:cTn id="29" dur="500"/>
+                                        <p:tgtEl>
+                                          <p:spTgt spid="4"/>
+                                        </p:tgtEl>
+                                      </p:cBhvr>
+                                    </p:animEffect>
+                                  </p:childTnLst>
+                                </p:cTn>
+                              </p:par>
                             </p:childTnLst>
                           </p:cTn>
                         </p:par>
@@ -11023,6 +11188,9 @@
         </p:cTn>
       </p:par>
     </p:tnLst>
+    <p:bldLst>
+      <p:bldP spid="4" grpId="0" animBg="1"/>
+    </p:bldLst>
   </p:timing>
 </p:sld>
 </file>
@@ -12283,6 +12451,52 @@
           </a:p>
         </p:txBody>
       </p:sp>
+      <p:sp>
+        <p:nvSpPr>
+          <p:cNvPr id="4" name="Organigramme : Connecteur 3">
+            <a:extLst>
+              <a:ext uri="{FF2B5EF4-FFF2-40B4-BE49-F238E27FC236}">
+                <a16:creationId xmlns:a16="http://schemas.microsoft.com/office/drawing/2014/main" id="{95364F51-6A33-4F77-B525-0244280167B0}"/>
+              </a:ext>
+            </a:extLst>
+          </p:cNvPr>
+          <p:cNvSpPr/>
+          <p:nvPr/>
+        </p:nvSpPr>
+        <p:spPr>
+          <a:xfrm>
+            <a:off x="8420372" y="4465512"/>
+            <a:ext cx="152400" cy="159879"/>
+          </a:xfrm>
+          <a:prstGeom prst="flowChartConnector">
+            <a:avLst/>
+          </a:prstGeom>
+        </p:spPr>
+        <p:style>
+          <a:lnRef idx="2">
+            <a:schemeClr val="dk1">
+              <a:shade val="50000"/>
+            </a:schemeClr>
+          </a:lnRef>
+          <a:fillRef idx="1">
+            <a:schemeClr val="dk1"/>
+          </a:fillRef>
+          <a:effectRef idx="0">
+            <a:schemeClr val="dk1"/>
+          </a:effectRef>
+          <a:fontRef idx="minor">
+            <a:schemeClr val="lt1"/>
+          </a:fontRef>
+        </p:style>
+        <p:txBody>
+          <a:bodyPr rtlCol="0" anchor="ctr"/>
+          <a:lstStyle/>
+          <a:p>
+            <a:pPr algn="ctr"/>
+            <a:endParaRPr lang="fr-FR"/>
+          </a:p>
+        </p:txBody>
+      </p:sp>
     </p:spTree>
   </p:cSld>
   <p:clrMapOvr>
@@ -12473,6 +12687,41 @@
                                   </p:childTnLst>
                                 </p:cTn>
                               </p:par>
+                              <p:par>
+                                <p:cTn id="18" presetID="10" presetClass="entr" presetSubtype="0" fill="hold" grpId="0" nodeType="withEffect">
+                                  <p:stCondLst>
+                                    <p:cond delay="0"/>
+                                  </p:stCondLst>
+                                  <p:childTnLst>
+                                    <p:set>
+                                      <p:cBhvr>
+                                        <p:cTn id="19" dur="1" fill="hold">
+                                          <p:stCondLst>
+                                            <p:cond delay="0"/>
+                                          </p:stCondLst>
+                                        </p:cTn>
+                                        <p:tgtEl>
+                                          <p:spTgt spid="4"/>
+                                        </p:tgtEl>
+                                        <p:attrNameLst>
+                                          <p:attrName>style.visibility</p:attrName>
+                                        </p:attrNameLst>
+                                      </p:cBhvr>
+                                      <p:to>
+                                        <p:strVal val="visible"/>
+                                      </p:to>
+                                    </p:set>
+                                    <p:animEffect transition="in" filter="fade">
+                                      <p:cBhvr>
+                                        <p:cTn id="20" dur="500"/>
+                                        <p:tgtEl>
+                                          <p:spTgt spid="4"/>
+                                        </p:tgtEl>
+                                      </p:cBhvr>
+                                    </p:animEffect>
+                                  </p:childTnLst>
+                                </p:cTn>
+                              </p:par>
                             </p:childTnLst>
                           </p:cTn>
                         </p:par>
@@ -12500,6 +12749,9 @@
         </p:cTn>
       </p:par>
     </p:tnLst>
+    <p:bldLst>
+      <p:bldP spid="4" grpId="0" animBg="1"/>
+    </p:bldLst>
   </p:timing>
 </p:sld>
 </file>
@@ -13139,6 +13391,52 @@
               <a:buNone/>
             </a:pPr>
             <a:endParaRPr i="1" dirty="0"/>
+          </a:p>
+        </p:txBody>
+      </p:sp>
+      <p:sp>
+        <p:nvSpPr>
+          <p:cNvPr id="4" name="Organigramme : Connecteur 3">
+            <a:extLst>
+              <a:ext uri="{FF2B5EF4-FFF2-40B4-BE49-F238E27FC236}">
+                <a16:creationId xmlns:a16="http://schemas.microsoft.com/office/drawing/2014/main" id="{0F155475-2A68-41A2-AA7B-77F29A26184B}"/>
+              </a:ext>
+            </a:extLst>
+          </p:cNvPr>
+          <p:cNvSpPr/>
+          <p:nvPr/>
+        </p:nvSpPr>
+        <p:spPr>
+          <a:xfrm>
+            <a:off x="8460375" y="4419408"/>
+            <a:ext cx="152400" cy="159879"/>
+          </a:xfrm>
+          <a:prstGeom prst="flowChartConnector">
+            <a:avLst/>
+          </a:prstGeom>
+        </p:spPr>
+        <p:style>
+          <a:lnRef idx="2">
+            <a:schemeClr val="dk1">
+              <a:shade val="50000"/>
+            </a:schemeClr>
+          </a:lnRef>
+          <a:fillRef idx="1">
+            <a:schemeClr val="dk1"/>
+          </a:fillRef>
+          <a:effectRef idx="0">
+            <a:schemeClr val="dk1"/>
+          </a:effectRef>
+          <a:fontRef idx="minor">
+            <a:schemeClr val="lt1"/>
+          </a:fontRef>
+        </p:style>
+        <p:txBody>
+          <a:bodyPr rtlCol="0" anchor="ctr"/>
+          <a:lstStyle/>
+          <a:p>
+            <a:pPr algn="ctr"/>
+            <a:endParaRPr lang="fr-FR"/>
           </a:p>
         </p:txBody>
       </p:sp>
@@ -13515,6 +13813,41 @@
                                   </p:childTnLst>
                                 </p:cTn>
                               </p:par>
+                              <p:par>
+                                <p:cTn id="33" presetID="10" presetClass="entr" presetSubtype="0" fill="hold" grpId="0" nodeType="withEffect">
+                                  <p:stCondLst>
+                                    <p:cond delay="0"/>
+                                  </p:stCondLst>
+                                  <p:childTnLst>
+                                    <p:set>
+                                      <p:cBhvr>
+                                        <p:cTn id="34" dur="1" fill="hold">
+                                          <p:stCondLst>
+                                            <p:cond delay="0"/>
+                                          </p:stCondLst>
+                                        </p:cTn>
+                                        <p:tgtEl>
+                                          <p:spTgt spid="4"/>
+                                        </p:tgtEl>
+                                        <p:attrNameLst>
+                                          <p:attrName>style.visibility</p:attrName>
+                                        </p:attrNameLst>
+                                      </p:cBhvr>
+                                      <p:to>
+                                        <p:strVal val="visible"/>
+                                      </p:to>
+                                    </p:set>
+                                    <p:animEffect transition="in" filter="fade">
+                                      <p:cBhvr>
+                                        <p:cTn id="35" dur="500"/>
+                                        <p:tgtEl>
+                                          <p:spTgt spid="4"/>
+                                        </p:tgtEl>
+                                      </p:cBhvr>
+                                    </p:animEffect>
+                                  </p:childTnLst>
+                                </p:cTn>
+                              </p:par>
                             </p:childTnLst>
                           </p:cTn>
                         </p:par>
@@ -13542,6 +13875,9 @@
         </p:cTn>
       </p:par>
     </p:tnLst>
+    <p:bldLst>
+      <p:bldP spid="4" grpId="0" animBg="1"/>
+    </p:bldLst>
   </p:timing>
 </p:sld>
 </file>
@@ -13841,6 +14177,52 @@
                 <a:schemeClr val="tx1"/>
               </a:solidFill>
             </a:endParaRPr>
+          </a:p>
+        </p:txBody>
+      </p:sp>
+      <p:sp>
+        <p:nvSpPr>
+          <p:cNvPr id="4" name="Organigramme : Connecteur 3">
+            <a:extLst>
+              <a:ext uri="{FF2B5EF4-FFF2-40B4-BE49-F238E27FC236}">
+                <a16:creationId xmlns:a16="http://schemas.microsoft.com/office/drawing/2014/main" id="{20B5970C-9910-4B30-A80C-DA048878CB25}"/>
+              </a:ext>
+            </a:extLst>
+          </p:cNvPr>
+          <p:cNvSpPr/>
+          <p:nvPr/>
+        </p:nvSpPr>
+        <p:spPr>
+          <a:xfrm>
+            <a:off x="8444400" y="4396356"/>
+            <a:ext cx="152400" cy="159879"/>
+          </a:xfrm>
+          <a:prstGeom prst="flowChartConnector">
+            <a:avLst/>
+          </a:prstGeom>
+        </p:spPr>
+        <p:style>
+          <a:lnRef idx="2">
+            <a:schemeClr val="dk1">
+              <a:shade val="50000"/>
+            </a:schemeClr>
+          </a:lnRef>
+          <a:fillRef idx="1">
+            <a:schemeClr val="dk1"/>
+          </a:fillRef>
+          <a:effectRef idx="0">
+            <a:schemeClr val="dk1"/>
+          </a:effectRef>
+          <a:fontRef idx="minor">
+            <a:schemeClr val="lt1"/>
+          </a:fontRef>
+        </p:style>
+        <p:txBody>
+          <a:bodyPr rtlCol="0" anchor="ctr"/>
+          <a:lstStyle/>
+          <a:p>
+            <a:pPr algn="ctr"/>
+            <a:endParaRPr lang="fr-FR"/>
           </a:p>
         </p:txBody>
       </p:sp>
@@ -14163,6 +14545,41 @@
                                   </p:childTnLst>
                                 </p:cTn>
                               </p:par>
+                              <p:par>
+                                <p:cTn id="27" presetID="10" presetClass="entr" presetSubtype="0" fill="hold" grpId="0" nodeType="withEffect">
+                                  <p:stCondLst>
+                                    <p:cond delay="0"/>
+                                  </p:stCondLst>
+                                  <p:childTnLst>
+                                    <p:set>
+                                      <p:cBhvr>
+                                        <p:cTn id="28" dur="1" fill="hold">
+                                          <p:stCondLst>
+                                            <p:cond delay="0"/>
+                                          </p:stCondLst>
+                                        </p:cTn>
+                                        <p:tgtEl>
+                                          <p:spTgt spid="4"/>
+                                        </p:tgtEl>
+                                        <p:attrNameLst>
+                                          <p:attrName>style.visibility</p:attrName>
+                                        </p:attrNameLst>
+                                      </p:cBhvr>
+                                      <p:to>
+                                        <p:strVal val="visible"/>
+                                      </p:to>
+                                    </p:set>
+                                    <p:animEffect transition="in" filter="fade">
+                                      <p:cBhvr>
+                                        <p:cTn id="29" dur="500"/>
+                                        <p:tgtEl>
+                                          <p:spTgt spid="4"/>
+                                        </p:tgtEl>
+                                      </p:cBhvr>
+                                    </p:animEffect>
+                                  </p:childTnLst>
+                                </p:cTn>
+                              </p:par>
                             </p:childTnLst>
                           </p:cTn>
                         </p:par>
@@ -14190,6 +14607,9 @@
         </p:cTn>
       </p:par>
     </p:tnLst>
+    <p:bldLst>
+      <p:bldP spid="4" grpId="0" animBg="1"/>
+    </p:bldLst>
   </p:timing>
 </p:sld>
 </file>
@@ -14444,6 +14864,52 @@
               </a:solidFill>
               <a:cs typeface="Arial" panose="020B0604020202020204" pitchFamily="34" charset="0"/>
             </a:endParaRPr>
+          </a:p>
+        </p:txBody>
+      </p:sp>
+      <p:sp>
+        <p:nvSpPr>
+          <p:cNvPr id="4" name="Organigramme : Connecteur 3">
+            <a:extLst>
+              <a:ext uri="{FF2B5EF4-FFF2-40B4-BE49-F238E27FC236}">
+                <a16:creationId xmlns:a16="http://schemas.microsoft.com/office/drawing/2014/main" id="{1BEF346D-FC54-40A0-9C66-99E7F28880C8}"/>
+              </a:ext>
+            </a:extLst>
+          </p:cNvPr>
+          <p:cNvSpPr/>
+          <p:nvPr/>
+        </p:nvSpPr>
+        <p:spPr>
+          <a:xfrm>
+            <a:off x="8496300" y="4442460"/>
+            <a:ext cx="152400" cy="159879"/>
+          </a:xfrm>
+          <a:prstGeom prst="flowChartConnector">
+            <a:avLst/>
+          </a:prstGeom>
+        </p:spPr>
+        <p:style>
+          <a:lnRef idx="2">
+            <a:schemeClr val="dk1">
+              <a:shade val="50000"/>
+            </a:schemeClr>
+          </a:lnRef>
+          <a:fillRef idx="1">
+            <a:schemeClr val="dk1"/>
+          </a:fillRef>
+          <a:effectRef idx="0">
+            <a:schemeClr val="dk1"/>
+          </a:effectRef>
+          <a:fontRef idx="minor">
+            <a:schemeClr val="lt1"/>
+          </a:fontRef>
+        </p:style>
+        <p:txBody>
+          <a:bodyPr rtlCol="0" anchor="ctr"/>
+          <a:lstStyle/>
+          <a:p>
+            <a:pPr algn="ctr"/>
+            <a:endParaRPr lang="fr-FR"/>
           </a:p>
         </p:txBody>
       </p:sp>
@@ -14622,6 +15088,41 @@
                                   </p:childTnLst>
                                 </p:cTn>
                               </p:par>
+                              <p:par>
+                                <p:cTn id="16" presetID="10" presetClass="entr" presetSubtype="0" fill="hold" grpId="0" nodeType="withEffect">
+                                  <p:stCondLst>
+                                    <p:cond delay="0"/>
+                                  </p:stCondLst>
+                                  <p:childTnLst>
+                                    <p:set>
+                                      <p:cBhvr>
+                                        <p:cTn id="17" dur="1" fill="hold">
+                                          <p:stCondLst>
+                                            <p:cond delay="0"/>
+                                          </p:stCondLst>
+                                        </p:cTn>
+                                        <p:tgtEl>
+                                          <p:spTgt spid="4"/>
+                                        </p:tgtEl>
+                                        <p:attrNameLst>
+                                          <p:attrName>style.visibility</p:attrName>
+                                        </p:attrNameLst>
+                                      </p:cBhvr>
+                                      <p:to>
+                                        <p:strVal val="visible"/>
+                                      </p:to>
+                                    </p:set>
+                                    <p:animEffect transition="in" filter="fade">
+                                      <p:cBhvr>
+                                        <p:cTn id="18" dur="500"/>
+                                        <p:tgtEl>
+                                          <p:spTgt spid="4"/>
+                                        </p:tgtEl>
+                                      </p:cBhvr>
+                                    </p:animEffect>
+                                  </p:childTnLst>
+                                </p:cTn>
+                              </p:par>
                             </p:childTnLst>
                           </p:cTn>
                         </p:par>
@@ -14649,6 +15150,9 @@
         </p:cTn>
       </p:par>
     </p:tnLst>
+    <p:bldLst>
+      <p:bldP spid="4" grpId="0" animBg="1"/>
+    </p:bldLst>
   </p:timing>
 </p:sld>
 </file>
@@ -15048,6 +15552,52 @@
               <a:latin typeface="Arial" panose="020B0604020202020204" pitchFamily="34" charset="0"/>
               <a:cs typeface="Arial" panose="020B0604020202020204" pitchFamily="34" charset="0"/>
             </a:endParaRPr>
+          </a:p>
+        </p:txBody>
+      </p:sp>
+      <p:sp>
+        <p:nvSpPr>
+          <p:cNvPr id="4" name="Organigramme : Connecteur 3">
+            <a:extLst>
+              <a:ext uri="{FF2B5EF4-FFF2-40B4-BE49-F238E27FC236}">
+                <a16:creationId xmlns:a16="http://schemas.microsoft.com/office/drawing/2014/main" id="{3D4654B2-2BA0-411E-8088-409F39918A09}"/>
+              </a:ext>
+            </a:extLst>
+          </p:cNvPr>
+          <p:cNvSpPr/>
+          <p:nvPr/>
+        </p:nvSpPr>
+        <p:spPr>
+          <a:xfrm>
+            <a:off x="8496300" y="4442460"/>
+            <a:ext cx="152400" cy="159879"/>
+          </a:xfrm>
+          <a:prstGeom prst="flowChartConnector">
+            <a:avLst/>
+          </a:prstGeom>
+        </p:spPr>
+        <p:style>
+          <a:lnRef idx="2">
+            <a:schemeClr val="dk1">
+              <a:shade val="50000"/>
+            </a:schemeClr>
+          </a:lnRef>
+          <a:fillRef idx="1">
+            <a:schemeClr val="dk1"/>
+          </a:fillRef>
+          <a:effectRef idx="0">
+            <a:schemeClr val="dk1"/>
+          </a:effectRef>
+          <a:fontRef idx="minor">
+            <a:schemeClr val="lt1"/>
+          </a:fontRef>
+        </p:style>
+        <p:txBody>
+          <a:bodyPr rtlCol="0" anchor="ctr"/>
+          <a:lstStyle/>
+          <a:p>
+            <a:pPr algn="ctr"/>
+            <a:endParaRPr lang="fr-FR"/>
           </a:p>
         </p:txBody>
       </p:sp>
@@ -15413,6 +15963,41 @@
                                   </p:childTnLst>
                                 </p:cTn>
                               </p:par>
+                              <p:par>
+                                <p:cTn id="30" presetID="10" presetClass="entr" presetSubtype="0" fill="hold" grpId="0" nodeType="withEffect">
+                                  <p:stCondLst>
+                                    <p:cond delay="0"/>
+                                  </p:stCondLst>
+                                  <p:childTnLst>
+                                    <p:set>
+                                      <p:cBhvr>
+                                        <p:cTn id="31" dur="1" fill="hold">
+                                          <p:stCondLst>
+                                            <p:cond delay="0"/>
+                                          </p:stCondLst>
+                                        </p:cTn>
+                                        <p:tgtEl>
+                                          <p:spTgt spid="4"/>
+                                        </p:tgtEl>
+                                        <p:attrNameLst>
+                                          <p:attrName>style.visibility</p:attrName>
+                                        </p:attrNameLst>
+                                      </p:cBhvr>
+                                      <p:to>
+                                        <p:strVal val="visible"/>
+                                      </p:to>
+                                    </p:set>
+                                    <p:animEffect transition="in" filter="fade">
+                                      <p:cBhvr>
+                                        <p:cTn id="32" dur="500"/>
+                                        <p:tgtEl>
+                                          <p:spTgt spid="4"/>
+                                        </p:tgtEl>
+                                      </p:cBhvr>
+                                    </p:animEffect>
+                                  </p:childTnLst>
+                                </p:cTn>
+                              </p:par>
                             </p:childTnLst>
                           </p:cTn>
                         </p:par>
@@ -15440,6 +16025,9 @@
         </p:cTn>
       </p:par>
     </p:tnLst>
+    <p:bldLst>
+      <p:bldP spid="4" grpId="0" animBg="1"/>
+    </p:bldLst>
   </p:timing>
 </p:sld>
 </file>
